--- a/HACKATHON-GAA.pptx
+++ b/HACKATHON-GAA.pptx
@@ -114,6 +114,11 @@
       </a:defRPr>
     </a:lvl9pPr>
   </p:defaultTextStyle>
+  <p:extLst>
+    <p:ext uri="{EFAFB233-063F-42B5-8137-9DF3F51BA10A}">
+      <p15:sldGuideLst xmlns:p15="http://schemas.microsoft.com/office/powerpoint/2012/main"/>
+    </p:ext>
+  </p:extLst>
 </p:presentation>
 </file>
 
@@ -199,7 +204,7 @@
           <a:p>
             <a:fld id="{ED24F7AD-3EC9-4DDD-8C14-5BE9FF21E026}" type="datetimeFigureOut">
               <a:rPr lang="es-ES" smtClean="0"/>
-              <a:t>26/03/2025</a:t>
+              <a:t>28/03/2025</a:t>
             </a:fld>
             <a:endParaRPr lang="es-ES"/>
           </a:p>
@@ -958,7 +963,7 @@
           <a:p>
             <a:fld id="{FD80ECE7-8039-4D13-A9E3-2F94D4BE32A1}" type="datetimeFigureOut">
               <a:rPr lang="es-ES" smtClean="0"/>
-              <a:t>26/03/2025</a:t>
+              <a:t>28/03/2025</a:t>
             </a:fld>
             <a:endParaRPr lang="es-ES"/>
           </a:p>
@@ -1233,7 +1238,7 @@
           <a:p>
             <a:fld id="{FD80ECE7-8039-4D13-A9E3-2F94D4BE32A1}" type="datetimeFigureOut">
               <a:rPr lang="es-ES" smtClean="0"/>
-              <a:t>26/03/2025</a:t>
+              <a:t>28/03/2025</a:t>
             </a:fld>
             <a:endParaRPr lang="es-ES"/>
           </a:p>
@@ -1427,7 +1432,7 @@
           <a:p>
             <a:fld id="{FD80ECE7-8039-4D13-A9E3-2F94D4BE32A1}" type="datetimeFigureOut">
               <a:rPr lang="es-ES" smtClean="0"/>
-              <a:t>26/03/2025</a:t>
+              <a:t>28/03/2025</a:t>
             </a:fld>
             <a:endParaRPr lang="es-ES"/>
           </a:p>
@@ -1700,7 +1705,7 @@
           <a:p>
             <a:fld id="{FD80ECE7-8039-4D13-A9E3-2F94D4BE32A1}" type="datetimeFigureOut">
               <a:rPr lang="es-ES" smtClean="0"/>
-              <a:t>26/03/2025</a:t>
+              <a:t>28/03/2025</a:t>
             </a:fld>
             <a:endParaRPr lang="es-ES"/>
           </a:p>
@@ -2041,7 +2046,7 @@
           <a:p>
             <a:fld id="{FD80ECE7-8039-4D13-A9E3-2F94D4BE32A1}" type="datetimeFigureOut">
               <a:rPr lang="es-ES" smtClean="0"/>
-              <a:t>26/03/2025</a:t>
+              <a:t>28/03/2025</a:t>
             </a:fld>
             <a:endParaRPr lang="es-ES"/>
           </a:p>
@@ -2664,7 +2669,7 @@
           <a:p>
             <a:fld id="{FD80ECE7-8039-4D13-A9E3-2F94D4BE32A1}" type="datetimeFigureOut">
               <a:rPr lang="es-ES" smtClean="0"/>
-              <a:t>26/03/2025</a:t>
+              <a:t>28/03/2025</a:t>
             </a:fld>
             <a:endParaRPr lang="es-ES"/>
           </a:p>
@@ -3524,7 +3529,7 @@
           <a:p>
             <a:fld id="{FD80ECE7-8039-4D13-A9E3-2F94D4BE32A1}" type="datetimeFigureOut">
               <a:rPr lang="es-ES" smtClean="0"/>
-              <a:t>26/03/2025</a:t>
+              <a:t>28/03/2025</a:t>
             </a:fld>
             <a:endParaRPr lang="es-ES"/>
           </a:p>
@@ -3694,7 +3699,7 @@
           <a:p>
             <a:fld id="{FD80ECE7-8039-4D13-A9E3-2F94D4BE32A1}" type="datetimeFigureOut">
               <a:rPr lang="es-ES" smtClean="0"/>
-              <a:t>26/03/2025</a:t>
+              <a:t>28/03/2025</a:t>
             </a:fld>
             <a:endParaRPr lang="es-ES"/>
           </a:p>
@@ -3874,7 +3879,7 @@
           <a:p>
             <a:fld id="{FD80ECE7-8039-4D13-A9E3-2F94D4BE32A1}" type="datetimeFigureOut">
               <a:rPr lang="es-ES" smtClean="0"/>
-              <a:t>26/03/2025</a:t>
+              <a:t>28/03/2025</a:t>
             </a:fld>
             <a:endParaRPr lang="es-ES"/>
           </a:p>
@@ -4044,7 +4049,7 @@
           <a:p>
             <a:fld id="{FD80ECE7-8039-4D13-A9E3-2F94D4BE32A1}" type="datetimeFigureOut">
               <a:rPr lang="es-ES" smtClean="0"/>
-              <a:t>26/03/2025</a:t>
+              <a:t>28/03/2025</a:t>
             </a:fld>
             <a:endParaRPr lang="es-ES"/>
           </a:p>
@@ -4291,7 +4296,7 @@
           <a:p>
             <a:fld id="{FD80ECE7-8039-4D13-A9E3-2F94D4BE32A1}" type="datetimeFigureOut">
               <a:rPr lang="es-ES" smtClean="0"/>
-              <a:t>26/03/2025</a:t>
+              <a:t>28/03/2025</a:t>
             </a:fld>
             <a:endParaRPr lang="es-ES"/>
           </a:p>
@@ -4583,7 +4588,7 @@
           <a:p>
             <a:fld id="{FD80ECE7-8039-4D13-A9E3-2F94D4BE32A1}" type="datetimeFigureOut">
               <a:rPr lang="es-ES" smtClean="0"/>
-              <a:t>26/03/2025</a:t>
+              <a:t>28/03/2025</a:t>
             </a:fld>
             <a:endParaRPr lang="es-ES"/>
           </a:p>
@@ -5027,7 +5032,7 @@
           <a:p>
             <a:fld id="{FD80ECE7-8039-4D13-A9E3-2F94D4BE32A1}" type="datetimeFigureOut">
               <a:rPr lang="es-ES" smtClean="0"/>
-              <a:t>26/03/2025</a:t>
+              <a:t>28/03/2025</a:t>
             </a:fld>
             <a:endParaRPr lang="es-ES"/>
           </a:p>
@@ -5145,7 +5150,7 @@
           <a:p>
             <a:fld id="{FD80ECE7-8039-4D13-A9E3-2F94D4BE32A1}" type="datetimeFigureOut">
               <a:rPr lang="es-ES" smtClean="0"/>
-              <a:t>26/03/2025</a:t>
+              <a:t>28/03/2025</a:t>
             </a:fld>
             <a:endParaRPr lang="es-ES"/>
           </a:p>
@@ -5240,7 +5245,7 @@
           <a:p>
             <a:fld id="{FD80ECE7-8039-4D13-A9E3-2F94D4BE32A1}" type="datetimeFigureOut">
               <a:rPr lang="es-ES" smtClean="0"/>
-              <a:t>26/03/2025</a:t>
+              <a:t>28/03/2025</a:t>
             </a:fld>
             <a:endParaRPr lang="es-ES"/>
           </a:p>
@@ -5519,7 +5524,7 @@
           <a:p>
             <a:fld id="{FD80ECE7-8039-4D13-A9E3-2F94D4BE32A1}" type="datetimeFigureOut">
               <a:rPr lang="es-ES" smtClean="0"/>
-              <a:t>26/03/2025</a:t>
+              <a:t>28/03/2025</a:t>
             </a:fld>
             <a:endParaRPr lang="es-ES"/>
           </a:p>
@@ -5794,7 +5799,7 @@
           <a:p>
             <a:fld id="{FD80ECE7-8039-4D13-A9E3-2F94D4BE32A1}" type="datetimeFigureOut">
               <a:rPr lang="es-ES" smtClean="0"/>
-              <a:t>26/03/2025</a:t>
+              <a:t>28/03/2025</a:t>
             </a:fld>
             <a:endParaRPr lang="es-ES"/>
           </a:p>
@@ -6223,7 +6228,7 @@
           <a:p>
             <a:fld id="{FD80ECE7-8039-4D13-A9E3-2F94D4BE32A1}" type="datetimeFigureOut">
               <a:rPr lang="es-ES" smtClean="0"/>
-              <a:t>26/03/2025</a:t>
+              <a:t>28/03/2025</a:t>
             </a:fld>
             <a:endParaRPr lang="es-ES"/>
           </a:p>
@@ -9651,10 +9656,10 @@
       </p:pic>
       <p:pic>
         <p:nvPicPr>
-          <p:cNvPr id="8" name="Imagen 7">
+          <p:cNvPr id="6" name="Imagen 5">
             <a:extLst>
               <a:ext uri="{FF2B5EF4-FFF2-40B4-BE49-F238E27FC236}">
-                <a16:creationId xmlns:a16="http://schemas.microsoft.com/office/drawing/2014/main" id="{D2CFD2D0-F2A3-B436-6A2D-F8F3F0830FC1}"/>
+                <a16:creationId xmlns:a16="http://schemas.microsoft.com/office/drawing/2014/main" id="{C5CCD335-C35F-B5B5-8620-2B31BB1D4968}"/>
               </a:ext>
             </a:extLst>
           </p:cNvPr>
@@ -9671,8 +9676,8 @@
         </p:blipFill>
         <p:spPr>
           <a:xfrm>
-            <a:off x="8825658" y="2021051"/>
-            <a:ext cx="2676899" cy="3505689"/>
+            <a:off x="8825658" y="1833339"/>
+            <a:ext cx="2686425" cy="3191320"/>
           </a:xfrm>
           <a:prstGeom prst="rect">
             <a:avLst/>
@@ -9790,12 +9795,47 @@
           </a:p>
         </p:txBody>
       </p:sp>
+      <p:sp>
+        <p:nvSpPr>
+          <p:cNvPr id="7" name="CuadroTexto 6">
+            <a:extLst>
+              <a:ext uri="{FF2B5EF4-FFF2-40B4-BE49-F238E27FC236}">
+                <a16:creationId xmlns:a16="http://schemas.microsoft.com/office/drawing/2014/main" id="{AB961C87-B714-3E49-6AD5-5DD4668DBE77}"/>
+              </a:ext>
+            </a:extLst>
+          </p:cNvPr>
+          <p:cNvSpPr txBox="1"/>
+          <p:nvPr/>
+        </p:nvSpPr>
+        <p:spPr>
+          <a:xfrm>
+            <a:off x="899387" y="5611528"/>
+            <a:ext cx="9929034" cy="369332"/>
+          </a:xfrm>
+          <a:prstGeom prst="rect">
+            <a:avLst/>
+          </a:prstGeom>
+          <a:noFill/>
+        </p:spPr>
+        <p:txBody>
+          <a:bodyPr wrap="square" rtlCol="0">
+            <a:spAutoFit/>
+          </a:bodyPr>
+          <a:lstStyle/>
+          <a:p>
+            <a:r>
+              <a:rPr lang="es-ES" dirty="0"/>
+              <a:t>La salida se produce por pantalla, además de almacenarse en un fichero JSON.</a:t>
+            </a:r>
+          </a:p>
+        </p:txBody>
+      </p:sp>
       <p:pic>
         <p:nvPicPr>
-          <p:cNvPr id="6" name="Imagen 5">
+          <p:cNvPr id="5" name="Imagen 4">
             <a:extLst>
               <a:ext uri="{FF2B5EF4-FFF2-40B4-BE49-F238E27FC236}">
-                <a16:creationId xmlns:a16="http://schemas.microsoft.com/office/drawing/2014/main" id="{6F297BE8-E5A1-67B0-AD9F-3F97D7E17827}"/>
+                <a16:creationId xmlns:a16="http://schemas.microsoft.com/office/drawing/2014/main" id="{560F3739-ADB2-61F7-1D45-BE3F3CD29099}"/>
               </a:ext>
             </a:extLst>
           </p:cNvPr>
@@ -9806,55 +9846,19 @@
         </p:nvPicPr>
         <p:blipFill>
           <a:blip r:embed="rId2"/>
-          <a:stretch>
-            <a:fillRect/>
-          </a:stretch>
+          <a:srcRect b="15958"/>
+          <a:stretch/>
         </p:blipFill>
         <p:spPr>
           <a:xfrm>
-            <a:off x="899387" y="2189078"/>
-            <a:ext cx="10393225" cy="3115110"/>
+            <a:off x="1086450" y="2120854"/>
+            <a:ext cx="9554908" cy="3490674"/>
           </a:xfrm>
           <a:prstGeom prst="rect">
             <a:avLst/>
           </a:prstGeom>
         </p:spPr>
       </p:pic>
-      <p:sp>
-        <p:nvSpPr>
-          <p:cNvPr id="7" name="CuadroTexto 6">
-            <a:extLst>
-              <a:ext uri="{FF2B5EF4-FFF2-40B4-BE49-F238E27FC236}">
-                <a16:creationId xmlns:a16="http://schemas.microsoft.com/office/drawing/2014/main" id="{AB961C87-B714-3E49-6AD5-5DD4668DBE77}"/>
-              </a:ext>
-            </a:extLst>
-          </p:cNvPr>
-          <p:cNvSpPr txBox="1"/>
-          <p:nvPr/>
-        </p:nvSpPr>
-        <p:spPr>
-          <a:xfrm>
-            <a:off x="899387" y="5611528"/>
-            <a:ext cx="9929034" cy="369332"/>
-          </a:xfrm>
-          <a:prstGeom prst="rect">
-            <a:avLst/>
-          </a:prstGeom>
-          <a:noFill/>
-        </p:spPr>
-        <p:txBody>
-          <a:bodyPr wrap="square" rtlCol="0">
-            <a:spAutoFit/>
-          </a:bodyPr>
-          <a:lstStyle/>
-          <a:p>
-            <a:r>
-              <a:rPr lang="es-ES" dirty="0"/>
-              <a:t>La salida se produce por pantalla, además de almacenarse en un fichero JSON.</a:t>
-            </a:r>
-          </a:p>
-        </p:txBody>
-      </p:sp>
     </p:spTree>
     <p:extLst>
       <p:ext uri="{BB962C8B-B14F-4D97-AF65-F5344CB8AC3E}">

--- a/HACKATHON-GAA.pptx
+++ b/HACKATHON-GAA.pptx
@@ -5,17 +5,18 @@
     <p:sldMasterId id="2147483660" r:id="rId1"/>
   </p:sldMasterIdLst>
   <p:notesMasterIdLst>
-    <p:notesMasterId r:id="rId10"/>
+    <p:notesMasterId r:id="rId11"/>
   </p:notesMasterIdLst>
   <p:sldIdLst>
     <p:sldId id="256" r:id="rId2"/>
     <p:sldId id="257" r:id="rId3"/>
     <p:sldId id="258" r:id="rId4"/>
     <p:sldId id="259" r:id="rId5"/>
-    <p:sldId id="260" r:id="rId6"/>
-    <p:sldId id="261" r:id="rId7"/>
-    <p:sldId id="262" r:id="rId8"/>
-    <p:sldId id="263" r:id="rId9"/>
+    <p:sldId id="264" r:id="rId6"/>
+    <p:sldId id="260" r:id="rId7"/>
+    <p:sldId id="261" r:id="rId8"/>
+    <p:sldId id="262" r:id="rId9"/>
+    <p:sldId id="263" r:id="rId10"/>
   </p:sldIdLst>
   <p:sldSz cx="12192000" cy="6858000"/>
   <p:notesSz cx="6858000" cy="9144000"/>
@@ -758,7 +759,7 @@
           <a:p>
             <a:fld id="{5AD4ABDA-0739-46DD-BB03-69A97DC71DBA}" type="slidenum">
               <a:rPr lang="es-ES" smtClean="0"/>
-              <a:t>5</a:t>
+              <a:t>6</a:t>
             </a:fld>
             <a:endParaRPr lang="es-ES"/>
           </a:p>
@@ -8807,7 +8808,7 @@
           <a:p>
             <a:r>
               <a:rPr lang="es-ES" sz="3600" dirty="0"/>
-              <a:t>A partir de una serie de algoritmos ya implementados, las aplicaciones obtienen la solución óptima.</a:t>
+              <a:t>A partir de una serie de algoritmos ya implementados, la aplicación obtiene la solución óptima.</a:t>
             </a:r>
           </a:p>
           <a:p>
@@ -8835,6 +8836,114 @@
 </file>
 
 <file path=ppt/slides/slide5.xml><?xml version="1.0" encoding="utf-8"?>
+<p:sld xmlns:a="http://schemas.openxmlformats.org/drawingml/2006/main" xmlns:r="http://schemas.openxmlformats.org/officeDocument/2006/relationships" xmlns:p="http://schemas.openxmlformats.org/presentationml/2006/main">
+  <p:cSld>
+    <p:spTree>
+      <p:nvGrpSpPr>
+        <p:cNvPr id="1" name=""/>
+        <p:cNvGrpSpPr/>
+        <p:nvPr/>
+      </p:nvGrpSpPr>
+      <p:grpSpPr>
+        <a:xfrm>
+          <a:off x="0" y="0"/>
+          <a:ext cx="0" cy="0"/>
+          <a:chOff x="0" y="0"/>
+          <a:chExt cx="0" cy="0"/>
+        </a:xfrm>
+      </p:grpSpPr>
+      <p:sp>
+        <p:nvSpPr>
+          <p:cNvPr id="2" name="Título 1">
+            <a:extLst>
+              <a:ext uri="{FF2B5EF4-FFF2-40B4-BE49-F238E27FC236}">
+                <a16:creationId xmlns:a16="http://schemas.microsoft.com/office/drawing/2014/main" id="{D944E4C5-94E3-7666-10C3-F2AA6BBEADDC}"/>
+              </a:ext>
+            </a:extLst>
+          </p:cNvPr>
+          <p:cNvSpPr>
+            <a:spLocks noGrp="1"/>
+          </p:cNvSpPr>
+          <p:nvPr>
+            <p:ph type="title"/>
+          </p:nvPr>
+        </p:nvSpPr>
+        <p:spPr/>
+        <p:txBody>
+          <a:bodyPr/>
+          <a:lstStyle/>
+          <a:p>
+            <a:r>
+              <a:rPr lang="es-ES" dirty="0"/>
+              <a:t>APROXIMACIÓN </a:t>
+            </a:r>
+            <a:br>
+              <a:rPr lang="es-ES" dirty="0"/>
+            </a:br>
+            <a:r>
+              <a:rPr lang="es-ES" sz="2800" dirty="0"/>
+              <a:t>Algoritmos</a:t>
+            </a:r>
+            <a:endParaRPr lang="es-ES" dirty="0"/>
+          </a:p>
+        </p:txBody>
+      </p:sp>
+      <p:sp>
+        <p:nvSpPr>
+          <p:cNvPr id="3" name="Marcador de contenido 2">
+            <a:extLst>
+              <a:ext uri="{FF2B5EF4-FFF2-40B4-BE49-F238E27FC236}">
+                <a16:creationId xmlns:a16="http://schemas.microsoft.com/office/drawing/2014/main" id="{3CB661E3-C25F-723E-1A69-FEBA12CA764A}"/>
+              </a:ext>
+            </a:extLst>
+          </p:cNvPr>
+          <p:cNvSpPr>
+            <a:spLocks noGrp="1"/>
+          </p:cNvSpPr>
+          <p:nvPr>
+            <p:ph idx="1"/>
+          </p:nvPr>
+        </p:nvSpPr>
+        <p:spPr/>
+        <p:txBody>
+          <a:bodyPr>
+            <a:normAutofit/>
+          </a:bodyPr>
+          <a:lstStyle/>
+          <a:p>
+            <a:r>
+              <a:rPr lang="es-ES" sz="2800" dirty="0"/>
+              <a:t>Distribución hexagonal</a:t>
+            </a:r>
+          </a:p>
+          <a:p>
+            <a:r>
+              <a:rPr lang="es-ES" sz="2800" dirty="0"/>
+              <a:t>Distribución de máxima densidad</a:t>
+            </a:r>
+          </a:p>
+          <a:p>
+            <a:r>
+              <a:rPr lang="es-ES" sz="2800" dirty="0"/>
+              <a:t>Algoritmo de optimización geométrica</a:t>
+            </a:r>
+          </a:p>
+        </p:txBody>
+      </p:sp>
+    </p:spTree>
+    <p:extLst>
+      <p:ext uri="{BB962C8B-B14F-4D97-AF65-F5344CB8AC3E}">
+        <p14:creationId xmlns:p14="http://schemas.microsoft.com/office/powerpoint/2010/main" val="871216557"/>
+      </p:ext>
+    </p:extLst>
+  </p:cSld>
+  <p:clrMapOvr>
+    <a:masterClrMapping/>
+  </p:clrMapOvr>
+</p:sld>
+</file>
+
+<file path=ppt/slides/slide6.xml><?xml version="1.0" encoding="utf-8"?>
 <p:sld xmlns:a="http://schemas.openxmlformats.org/drawingml/2006/main" xmlns:r="http://schemas.openxmlformats.org/officeDocument/2006/relationships" xmlns:p="http://schemas.openxmlformats.org/presentationml/2006/main">
   <p:cSld>
     <p:bg>
@@ -9391,7 +9500,7 @@
 </p:sld>
 </file>
 
-<file path=ppt/slides/slide6.xml><?xml version="1.0" encoding="utf-8"?>
+<file path=ppt/slides/slide7.xml><?xml version="1.0" encoding="utf-8"?>
 <p:sld xmlns:a="http://schemas.openxmlformats.org/drawingml/2006/main" xmlns:r="http://schemas.openxmlformats.org/officeDocument/2006/relationships" xmlns:p="http://schemas.openxmlformats.org/presentationml/2006/main">
   <p:cSld>
     <p:spTree>
@@ -9526,7 +9635,7 @@
 </p:sld>
 </file>
 
-<file path=ppt/slides/slide7.xml><?xml version="1.0" encoding="utf-8"?>
+<file path=ppt/slides/slide8.xml><?xml version="1.0" encoding="utf-8"?>
 <p:sld xmlns:a="http://schemas.openxmlformats.org/drawingml/2006/main" xmlns:r="http://schemas.openxmlformats.org/officeDocument/2006/relationships" xmlns:p="http://schemas.openxmlformats.org/presentationml/2006/main">
   <p:cSld>
     <p:spTree>
@@ -9697,7 +9806,7 @@
 </p:sld>
 </file>
 
-<file path=ppt/slides/slide8.xml><?xml version="1.0" encoding="utf-8"?>
+<file path=ppt/slides/slide9.xml><?xml version="1.0" encoding="utf-8"?>
 <p:sld xmlns:a="http://schemas.openxmlformats.org/drawingml/2006/main" xmlns:r="http://schemas.openxmlformats.org/officeDocument/2006/relationships" xmlns:p="http://schemas.openxmlformats.org/presentationml/2006/main">
   <p:cSld>
     <p:spTree>
